--- a/Diapo.pptx
+++ b/Diapo.pptx
@@ -14,10 +14,9 @@
     <p:sldId id="262" r:id="rId8"/>
     <p:sldId id="264" r:id="rId9"/>
     <p:sldId id="265" r:id="rId10"/>
-    <p:sldId id="267" r:id="rId11"/>
+    <p:sldId id="263" r:id="rId11"/>
     <p:sldId id="268" r:id="rId12"/>
-    <p:sldId id="263" r:id="rId13"/>
-    <p:sldId id="266" r:id="rId14"/>
+    <p:sldId id="266" r:id="rId13"/>
   </p:sldIdLst>
   <p:sldSz cx="12192000" cy="6858000"/>
   <p:notesSz cx="6858000" cy="9144000"/>
@@ -116,6 +115,11 @@
       </a:defRPr>
     </a:lvl9pPr>
   </p:defaultTextStyle>
+  <p:extLst>
+    <p:ext uri="{EFAFB233-063F-42B5-8137-9DF3F51BA10A}">
+      <p15:sldGuideLst xmlns:p15="http://schemas.microsoft.com/office/powerpoint/2012/main"/>
+    </p:ext>
+  </p:extLst>
 </p:presentation>
 </file>
 
@@ -1214,10 +1218,10 @@
     <dgm:cxn modelId="{92BEC805-72D2-4295-A082-B43DAB977CEE}" srcId="{BD622EA1-13F8-4BA0-8106-FC3CA0986DA9}" destId="{F46D9CAA-8601-4586-938E-261D7714B4F8}" srcOrd="3" destOrd="0" parTransId="{CCDD68BA-4238-464E-A2F7-65A9D527E7FB}" sibTransId="{52B1F316-2BBA-47C6-B80B-712A42C17855}"/>
     <dgm:cxn modelId="{5BE3D213-863E-3F4C-97B7-8A3A6F747410}" type="presOf" srcId="{E6AA7AAA-F8A8-4C31-A7A8-AF0755BC455E}" destId="{6A8994B8-DF37-CB42-85A2-A387B52D0FCA}" srcOrd="0" destOrd="0" presId="urn:microsoft.com/office/officeart/2008/layout/LinedList"/>
     <dgm:cxn modelId="{CCEB2925-A053-D147-BEE2-9F1252926F9A}" type="presOf" srcId="{EA391830-09AF-41A4-AEAF-DA861724BE6F}" destId="{17EBDE25-CC95-3C4D-8098-BB45090BDC8B}" srcOrd="0" destOrd="0" presId="urn:microsoft.com/office/officeart/2008/layout/LinedList"/>
+    <dgm:cxn modelId="{B3767063-CD91-4604-B9ED-7CE204867448}" srcId="{BD622EA1-13F8-4BA0-8106-FC3CA0986DA9}" destId="{11B54F82-9B28-44B8-8583-24661FF0905E}" srcOrd="4" destOrd="0" parTransId="{DD96B7E2-0E10-4854-B63E-345FFA17DA08}" sibTransId="{2703E2FA-0B19-465E-BB0C-E320CBC09B65}"/>
     <dgm:cxn modelId="{0F551D46-124E-42BC-90A2-E6C727F8F11F}" srcId="{BD622EA1-13F8-4BA0-8106-FC3CA0986DA9}" destId="{97D43AAA-D2BA-49C7-B9C6-657D98A0E953}" srcOrd="5" destOrd="0" parTransId="{1B2912F2-24A9-4DD6-9A80-AB8E0930F56E}" sibTransId="{647D06F5-B53F-4E22-85F0-F66C65FA943A}"/>
+    <dgm:cxn modelId="{DD70296B-4E0B-4C28-B049-1D58759DCAF8}" srcId="{BD622EA1-13F8-4BA0-8106-FC3CA0986DA9}" destId="{E6AA7AAA-F8A8-4C31-A7A8-AF0755BC455E}" srcOrd="0" destOrd="0" parTransId="{31E69F6A-5F5D-470D-932A-A1A5A82139DA}" sibTransId="{04091E51-EA87-4AA1-A540-F6410012BF7D}"/>
     <dgm:cxn modelId="{64CBE65A-0DBA-A248-8A63-090CF93ED603}" type="presOf" srcId="{BD622EA1-13F8-4BA0-8106-FC3CA0986DA9}" destId="{26DC79C7-452A-6F43-894D-B5B0E8E83213}" srcOrd="0" destOrd="0" presId="urn:microsoft.com/office/officeart/2008/layout/LinedList"/>
-    <dgm:cxn modelId="{B3767063-CD91-4604-B9ED-7CE204867448}" srcId="{BD622EA1-13F8-4BA0-8106-FC3CA0986DA9}" destId="{11B54F82-9B28-44B8-8583-24661FF0905E}" srcOrd="4" destOrd="0" parTransId="{DD96B7E2-0E10-4854-B63E-345FFA17DA08}" sibTransId="{2703E2FA-0B19-465E-BB0C-E320CBC09B65}"/>
-    <dgm:cxn modelId="{DD70296B-4E0B-4C28-B049-1D58759DCAF8}" srcId="{BD622EA1-13F8-4BA0-8106-FC3CA0986DA9}" destId="{E6AA7AAA-F8A8-4C31-A7A8-AF0755BC455E}" srcOrd="0" destOrd="0" parTransId="{31E69F6A-5F5D-470D-932A-A1A5A82139DA}" sibTransId="{04091E51-EA87-4AA1-A540-F6410012BF7D}"/>
     <dgm:cxn modelId="{29F2C88D-F8FC-DF4F-8715-8C412FD2AB34}" type="presOf" srcId="{6FD042BB-1FC2-4806-8DEB-E187015A0AF4}" destId="{B2F11B7B-0C9B-0B4C-8696-4D0DB451901E}" srcOrd="0" destOrd="0" presId="urn:microsoft.com/office/officeart/2008/layout/LinedList"/>
     <dgm:cxn modelId="{DE6FCDAB-DF09-4399-98BC-077DC129A391}" srcId="{BD622EA1-13F8-4BA0-8106-FC3CA0986DA9}" destId="{EA391830-09AF-41A4-AEAF-DA861724BE6F}" srcOrd="1" destOrd="0" parTransId="{2D061E1E-0060-442A-8104-E04F3ACB858A}" sibTransId="{83AC69BC-2B18-4049-87A6-D77B18E7D1F3}"/>
     <dgm:cxn modelId="{97C1A6B9-91A1-8147-8ADB-8E76F3B5630F}" type="presOf" srcId="{97D43AAA-D2BA-49C7-B9C6-657D98A0E953}" destId="{2D391D98-5246-854C-B6EA-6F626743E281}" srcOrd="0" destOrd="0" presId="urn:microsoft.com/office/officeart/2008/layout/LinedList"/>
@@ -3525,7 +3529,7 @@
           <a:effectLst/>
           <a:extLst>
             <a:ext uri="{91240B29-F687-4f45-9708-019B960494DF}">
-              <a14:hiddenLine xmlns:a14="http://schemas.microsoft.com/office/drawing/2010/main" xmlns="" w="9525">
+              <a14:hiddenLine xmlns="" xmlns:a14="http://schemas.microsoft.com/office/drawing/2010/main" w="9525">
                 <a:solidFill>
                   <a:srgbClr val="000000"/>
                 </a:solidFill>
@@ -3718,7 +3722,7 @@
             <a:fld id="{08B9EBBA-996F-894A-B54A-D6246ED52CEA}" type="datetimeFigureOut">
               <a:rPr lang="en-US" dirty="0"/>
               <a:pPr/>
-              <a:t>6/24/19</a:t>
+              <a:t>6/24/2019</a:t>
             </a:fld>
             <a:endParaRPr lang="en-US" dirty="0"/>
           </a:p>
@@ -4033,7 +4037,7 @@
             <a:fld id="{18C79C5D-2A6F-F04D-97DA-BEF2467B64E4}" type="datetimeFigureOut">
               <a:rPr lang="en-US" dirty="0"/>
               <a:pPr/>
-              <a:t>6/24/19</a:t>
+              <a:t>6/24/2019</a:t>
             </a:fld>
             <a:endParaRPr lang="en-US" dirty="0"/>
           </a:p>
@@ -4518,7 +4522,7 @@
             <a:fld id="{8DFA1846-DA80-1C48-A609-854EA85C59AD}" type="datetimeFigureOut">
               <a:rPr lang="en-US" dirty="0"/>
               <a:pPr/>
-              <a:t>6/24/19</a:t>
+              <a:t>6/24/2019</a:t>
             </a:fld>
             <a:endParaRPr lang="en-US" dirty="0"/>
           </a:p>
@@ -4884,7 +4888,7 @@
             <a:fld id="{FBF54567-0DE4-3F47-BF90-CB84690072F9}" type="datetimeFigureOut">
               <a:rPr lang="en-US" dirty="0"/>
               <a:pPr/>
-              <a:t>6/24/19</a:t>
+              <a:t>6/24/2019</a:t>
             </a:fld>
             <a:endParaRPr lang="en-US" dirty="0"/>
           </a:p>
@@ -5035,7 +5039,7 @@
           <a:ln/>
           <a:extLst>
             <a:ext uri="{91240B29-F687-4f45-9708-019B960494DF}">
-              <a14:hiddenLine xmlns:a14="http://schemas.microsoft.com/office/drawing/2010/main" xmlns="" w="9525">
+              <a14:hiddenLine xmlns="" xmlns:a14="http://schemas.microsoft.com/office/drawing/2010/main" w="9525">
                 <a:solidFill>
                   <a:srgbClr val="000000"/>
                 </a:solidFill>
@@ -5154,7 +5158,7 @@
             <a:fld id="{C6C52C72-DE31-F449-A4ED-4C594FD91407}" type="datetimeFigureOut">
               <a:rPr lang="en-US" dirty="0"/>
               <a:pPr/>
-              <a:t>6/24/19</a:t>
+              <a:t>6/24/2019</a:t>
             </a:fld>
             <a:endParaRPr lang="en-US" dirty="0"/>
           </a:p>
@@ -5307,7 +5311,7 @@
           <a:ln/>
           <a:extLst>
             <a:ext uri="{91240B29-F687-4f45-9708-019B960494DF}">
-              <a14:hiddenLine xmlns:a14="http://schemas.microsoft.com/office/drawing/2010/main" xmlns="" w="9525">
+              <a14:hiddenLine xmlns="" xmlns:a14="http://schemas.microsoft.com/office/drawing/2010/main" w="9525">
                 <a:solidFill>
                   <a:srgbClr val="000000"/>
                 </a:solidFill>
@@ -5436,7 +5440,7 @@
             <a:fld id="{ED62726E-379B-B349-9EED-81ED093FA806}" type="datetimeFigureOut">
               <a:rPr lang="en-US" dirty="0"/>
               <a:pPr/>
-              <a:t>6/24/19</a:t>
+              <a:t>6/24/2019</a:t>
             </a:fld>
             <a:endParaRPr lang="en-US" dirty="0"/>
           </a:p>
@@ -5587,7 +5591,7 @@
           <a:ln/>
           <a:extLst>
             <a:ext uri="{91240B29-F687-4f45-9708-019B960494DF}">
-              <a14:hiddenLine xmlns:a14="http://schemas.microsoft.com/office/drawing/2010/main" xmlns="" w="9525">
+              <a14:hiddenLine xmlns="" xmlns:a14="http://schemas.microsoft.com/office/drawing/2010/main" w="9525">
                 <a:solidFill>
                   <a:srgbClr val="000000"/>
                 </a:solidFill>
@@ -5716,7 +5720,7 @@
             <a:fld id="{9B3A1323-8D79-1946-B0D7-40001CF92E9D}" type="datetimeFigureOut">
               <a:rPr lang="en-US" dirty="0"/>
               <a:pPr/>
-              <a:t>6/24/19</a:t>
+              <a:t>6/24/2019</a:t>
             </a:fld>
             <a:endParaRPr lang="en-US" dirty="0"/>
           </a:p>
@@ -6056,7 +6060,7 @@
             <a:fld id="{8DFA1846-DA80-1C48-A609-854EA85C59AD}" type="datetimeFigureOut">
               <a:rPr lang="en-US" dirty="0"/>
               <a:pPr/>
-              <a:t>6/24/19</a:t>
+              <a:t>6/24/2019</a:t>
             </a:fld>
             <a:endParaRPr lang="en-US" dirty="0"/>
           </a:p>
@@ -6207,7 +6211,7 @@
           <a:ln/>
           <a:extLst>
             <a:ext uri="{91240B29-F687-4f45-9708-019B960494DF}">
-              <a14:hiddenLine xmlns:a14="http://schemas.microsoft.com/office/drawing/2010/main" xmlns="" w="9525">
+              <a14:hiddenLine xmlns="" xmlns:a14="http://schemas.microsoft.com/office/drawing/2010/main" w="9525">
                 <a:solidFill>
                   <a:srgbClr val="000000"/>
                 </a:solidFill>
@@ -6392,7 +6396,7 @@
             <a:fld id="{57302355-E14B-8545-A8F8-0FE83CC9D524}" type="datetimeFigureOut">
               <a:rPr lang="en-US" dirty="0"/>
               <a:pPr/>
-              <a:t>6/24/19</a:t>
+              <a:t>6/24/2019</a:t>
             </a:fld>
             <a:endParaRPr lang="en-US" dirty="0"/>
           </a:p>
@@ -6543,7 +6547,7 @@
           <a:ln/>
           <a:extLst>
             <a:ext uri="{91240B29-F687-4f45-9708-019B960494DF}">
-              <a14:hiddenLine xmlns:a14="http://schemas.microsoft.com/office/drawing/2010/main" xmlns="" w="9525">
+              <a14:hiddenLine xmlns="" xmlns:a14="http://schemas.microsoft.com/office/drawing/2010/main" w="9525">
                 <a:solidFill>
                   <a:srgbClr val="000000"/>
                 </a:solidFill>
@@ -6866,7 +6870,7 @@
             <a:fld id="{02640F58-564D-2B4F-AE67-E407BA4FCF45}" type="datetimeFigureOut">
               <a:rPr lang="en-US" dirty="0"/>
               <a:pPr/>
-              <a:t>6/24/19</a:t>
+              <a:t>6/24/2019</a:t>
             </a:fld>
             <a:endParaRPr lang="en-US" dirty="0"/>
           </a:p>
@@ -7017,7 +7021,7 @@
           <a:ln/>
           <a:extLst>
             <a:ext uri="{91240B29-F687-4f45-9708-019B960494DF}">
-              <a14:hiddenLine xmlns:a14="http://schemas.microsoft.com/office/drawing/2010/main" xmlns="" w="9525">
+              <a14:hiddenLine xmlns="" xmlns:a14="http://schemas.microsoft.com/office/drawing/2010/main" w="9525">
                 <a:solidFill>
                   <a:srgbClr val="000000"/>
                 </a:solidFill>
@@ -7084,7 +7088,7 @@
             <a:fld id="{F13A34C8-038E-2045-AF43-DF7DBB8E0E9E}" type="datetimeFigureOut">
               <a:rPr lang="en-US" dirty="0"/>
               <a:pPr/>
-              <a:t>6/24/19</a:t>
+              <a:t>6/24/2019</a:t>
             </a:fld>
             <a:endParaRPr lang="en-US" dirty="0"/>
           </a:p>
@@ -7176,7 +7180,7 @@
             <a:fld id="{8818C68F-D26B-8F47-958C-23B49CF8A634}" type="datetimeFigureOut">
               <a:rPr lang="en-US" dirty="0"/>
               <a:pPr/>
-              <a:t>6/24/19</a:t>
+              <a:t>6/24/2019</a:t>
             </a:fld>
             <a:endParaRPr lang="en-US" dirty="0"/>
           </a:p>
@@ -7440,7 +7444,7 @@
           <a:ln/>
           <a:extLst>
             <a:ext uri="{91240B29-F687-4f45-9708-019B960494DF}">
-              <a14:hiddenLine xmlns:a14="http://schemas.microsoft.com/office/drawing/2010/main" xmlns="" w="9525">
+              <a14:hiddenLine xmlns="" xmlns:a14="http://schemas.microsoft.com/office/drawing/2010/main" w="9525">
                 <a:solidFill>
                   <a:srgbClr val="000000"/>
                 </a:solidFill>
@@ -7640,7 +7644,7 @@
             <a:fld id="{D0DF5E60-9974-AC48-9591-99C2BB44B7CF}" type="datetimeFigureOut">
               <a:rPr lang="en-US" dirty="0"/>
               <a:pPr/>
-              <a:t>6/24/19</a:t>
+              <a:t>6/24/2019</a:t>
             </a:fld>
             <a:endParaRPr lang="en-US" dirty="0"/>
           </a:p>
@@ -7950,7 +7954,7 @@
             <a:fld id="{18C79C5D-2A6F-F04D-97DA-BEF2467B64E4}" type="datetimeFigureOut">
               <a:rPr lang="en-US" dirty="0"/>
               <a:pPr/>
-              <a:t>6/24/19</a:t>
+              <a:t>6/24/2019</a:t>
             </a:fld>
             <a:endParaRPr lang="en-US" dirty="0"/>
           </a:p>
@@ -8217,7 +8221,7 @@
             <a:fld id="{09B482E8-6E0E-1B4F-B1FD-C69DB9E858D9}" type="datetimeFigureOut">
               <a:rPr lang="en-US" dirty="0"/>
               <a:pPr/>
-              <a:t>6/24/19</a:t>
+              <a:t>6/24/2019</a:t>
             </a:fld>
             <a:endParaRPr lang="en-US" dirty="0"/>
           </a:p>
@@ -8772,7 +8776,7 @@
           <p:cNvPr id="2" name="Titre 1">
             <a:extLst>
               <a:ext uri="{FF2B5EF4-FFF2-40B4-BE49-F238E27FC236}">
-                <a16:creationId xmlns:a16="http://schemas.microsoft.com/office/drawing/2014/main" id="{B657FCD8-F338-5C4E-ADCD-CBBA00EE4049}"/>
+                <a16:creationId xmlns:a16="http://schemas.microsoft.com/office/drawing/2014/main" id="{D8A6F23F-3C38-3C43-8DE4-D79472268FAB}"/>
               </a:ext>
             </a:extLst>
           </p:cNvPr>
@@ -8790,7 +8794,36 @@
           <a:p>
             <a:r>
               <a:rPr lang="fr-FR" dirty="0"/>
-              <a:t>Pour aller plus loin..</a:t>
+              <a:t>III – Conclusion</a:t>
+            </a:r>
+          </a:p>
+        </p:txBody>
+      </p:sp>
+      <p:sp>
+        <p:nvSpPr>
+          <p:cNvPr id="3" name="Espace réservé du contenu 2">
+            <a:extLst>
+              <a:ext uri="{FF2B5EF4-FFF2-40B4-BE49-F238E27FC236}">
+                <a16:creationId xmlns:a16="http://schemas.microsoft.com/office/drawing/2014/main" id="{F1FC2F8A-A872-B546-AAF1-1CF7718E207F}"/>
+              </a:ext>
+            </a:extLst>
+          </p:cNvPr>
+          <p:cNvSpPr>
+            <a:spLocks noGrp="1"/>
+          </p:cNvSpPr>
+          <p:nvPr>
+            <p:ph idx="1"/>
+          </p:nvPr>
+        </p:nvSpPr>
+        <p:spPr/>
+        <p:txBody>
+          <a:bodyPr/>
+          <a:lstStyle/>
+          <a:p>
+            <a:pPr algn="ctr"/>
+            <a:r>
+              <a:rPr lang="fr-FR" dirty="0"/>
+              <a:t>Démonstration</a:t>
             </a:r>
           </a:p>
         </p:txBody>
@@ -8798,7 +8831,7 @@
     </p:spTree>
     <p:extLst>
       <p:ext uri="{BB962C8B-B14F-4D97-AF65-F5344CB8AC3E}">
-        <p14:creationId xmlns:p14="http://schemas.microsoft.com/office/powerpoint/2010/main" val="124330964"/>
+        <p14:creationId xmlns:p14="http://schemas.microsoft.com/office/powerpoint/2010/main" val="1036317302"/>
       </p:ext>
     </p:extLst>
   </p:cSld>
@@ -8874,93 +8907,6 @@
 <file path=ppt/slides/slide12.xml><?xml version="1.0" encoding="utf-8"?>
 <p:sld xmlns:a="http://schemas.openxmlformats.org/drawingml/2006/main" xmlns:r="http://schemas.openxmlformats.org/officeDocument/2006/relationships" xmlns:p="http://schemas.openxmlformats.org/presentationml/2006/main">
   <p:cSld>
-    <p:spTree>
-      <p:nvGrpSpPr>
-        <p:cNvPr id="1" name=""/>
-        <p:cNvGrpSpPr/>
-        <p:nvPr/>
-      </p:nvGrpSpPr>
-      <p:grpSpPr>
-        <a:xfrm>
-          <a:off x="0" y="0"/>
-          <a:ext cx="0" cy="0"/>
-          <a:chOff x="0" y="0"/>
-          <a:chExt cx="0" cy="0"/>
-        </a:xfrm>
-      </p:grpSpPr>
-      <p:sp>
-        <p:nvSpPr>
-          <p:cNvPr id="2" name="Titre 1">
-            <a:extLst>
-              <a:ext uri="{FF2B5EF4-FFF2-40B4-BE49-F238E27FC236}">
-                <a16:creationId xmlns:a16="http://schemas.microsoft.com/office/drawing/2014/main" id="{D8A6F23F-3C38-3C43-8DE4-D79472268FAB}"/>
-              </a:ext>
-            </a:extLst>
-          </p:cNvPr>
-          <p:cNvSpPr>
-            <a:spLocks noGrp="1"/>
-          </p:cNvSpPr>
-          <p:nvPr>
-            <p:ph type="title"/>
-          </p:nvPr>
-        </p:nvSpPr>
-        <p:spPr/>
-        <p:txBody>
-          <a:bodyPr/>
-          <a:lstStyle/>
-          <a:p>
-            <a:r>
-              <a:rPr lang="fr-FR" dirty="0"/>
-              <a:t>III – Conclusion</a:t>
-            </a:r>
-          </a:p>
-        </p:txBody>
-      </p:sp>
-      <p:sp>
-        <p:nvSpPr>
-          <p:cNvPr id="3" name="Espace réservé du contenu 2">
-            <a:extLst>
-              <a:ext uri="{FF2B5EF4-FFF2-40B4-BE49-F238E27FC236}">
-                <a16:creationId xmlns:a16="http://schemas.microsoft.com/office/drawing/2014/main" id="{F1FC2F8A-A872-B546-AAF1-1CF7718E207F}"/>
-              </a:ext>
-            </a:extLst>
-          </p:cNvPr>
-          <p:cNvSpPr>
-            <a:spLocks noGrp="1"/>
-          </p:cNvSpPr>
-          <p:nvPr>
-            <p:ph idx="1"/>
-          </p:nvPr>
-        </p:nvSpPr>
-        <p:spPr/>
-        <p:txBody>
-          <a:bodyPr/>
-          <a:lstStyle/>
-          <a:p>
-            <a:pPr algn="ctr"/>
-            <a:r>
-              <a:rPr lang="fr-FR" dirty="0"/>
-              <a:t>Démonstration</a:t>
-            </a:r>
-          </a:p>
-        </p:txBody>
-      </p:sp>
-    </p:spTree>
-    <p:extLst>
-      <p:ext uri="{BB962C8B-B14F-4D97-AF65-F5344CB8AC3E}">
-        <p14:creationId xmlns:p14="http://schemas.microsoft.com/office/powerpoint/2010/main" val="1036317302"/>
-      </p:ext>
-    </p:extLst>
-  </p:cSld>
-  <p:clrMapOvr>
-    <a:masterClrMapping/>
-  </p:clrMapOvr>
-</p:sld>
-</file>
-
-<file path=ppt/slides/slide13.xml><?xml version="1.0" encoding="utf-8"?>
-<p:sld xmlns:a="http://schemas.openxmlformats.org/drawingml/2006/main" xmlns:r="http://schemas.openxmlformats.org/officeDocument/2006/relationships" xmlns:p="http://schemas.openxmlformats.org/presentationml/2006/main">
-  <p:cSld>
     <p:bg>
       <p:bgPr>
         <a:solidFill>
@@ -9078,7 +9024,7 @@
           <a:effectLst/>
           <a:extLst>
             <a:ext uri="{91240B29-F687-4f45-9708-019B960494DF}">
-              <a14:hiddenLine xmlns="" xmlns:a14="http://schemas.microsoft.com/office/drawing/2010/main" xmlns:a16="http://schemas.microsoft.com/office/drawing/2014/main" w="9525">
+              <a14:hiddenLine xmlns:a16="http://schemas.microsoft.com/office/drawing/2014/main" xmlns:a14="http://schemas.microsoft.com/office/drawing/2010/main" xmlns="" w="9525">
                 <a:solidFill>
                   <a:srgbClr val="000000"/>
                 </a:solidFill>
@@ -9401,7 +9347,7 @@
           <a:effectLst/>
           <a:extLst>
             <a:ext uri="{91240B29-F687-4f45-9708-019B960494DF}">
-              <a14:hiddenLine xmlns="" xmlns:a14="http://schemas.microsoft.com/office/drawing/2010/main" xmlns:p14="http://schemas.microsoft.com/office/powerpoint/2010/main" xmlns:a16="http://schemas.microsoft.com/office/drawing/2014/main" w="9525">
+              <a14:hiddenLine xmlns:a16="http://schemas.microsoft.com/office/drawing/2014/main" xmlns:p14="http://schemas.microsoft.com/office/powerpoint/2010/main" xmlns:a14="http://schemas.microsoft.com/office/drawing/2010/main" xmlns="" w="9525">
                 <a:solidFill>
                   <a:srgbClr val="000000"/>
                 </a:solidFill>
@@ -9597,6 +9543,13 @@
             <a:r>
               <a:rPr lang="fr-FR" dirty="0"/>
               <a:t>Test</a:t>
+            </a:r>
+          </a:p>
+          <a:p>
+            <a:pPr lvl="1"/>
+            <a:r>
+              <a:rPr lang="fr-FR" dirty="0"/>
+              <a:t>Pour aller plus loin</a:t>
             </a:r>
           </a:p>
         </p:txBody>
@@ -9912,7 +9865,7 @@
           <a:effectLst/>
           <a:extLst>
             <a:ext uri="{91240B29-F687-4f45-9708-019B960494DF}">
-              <a14:hiddenLine xmlns="" xmlns:a14="http://schemas.microsoft.com/office/drawing/2010/main" xmlns:p14="http://schemas.microsoft.com/office/powerpoint/2010/main" xmlns:a16="http://schemas.microsoft.com/office/drawing/2014/main" w="9525">
+              <a14:hiddenLine xmlns:a16="http://schemas.microsoft.com/office/drawing/2014/main" xmlns:p14="http://schemas.microsoft.com/office/powerpoint/2010/main" xmlns:a14="http://schemas.microsoft.com/office/drawing/2010/main" xmlns="" w="9525">
                 <a:solidFill>
                   <a:srgbClr val="000000"/>
                 </a:solidFill>
@@ -10692,7 +10645,7 @@
           <a:effectLst/>
           <a:extLst>
             <a:ext uri="{91240B29-F687-4f45-9708-019B960494DF}">
-              <a14:hiddenLine xmlns="" xmlns:a16="http://schemas.microsoft.com/office/drawing/2014/main" xmlns:p14="http://schemas.microsoft.com/office/powerpoint/2010/main" xmlns:a14="http://schemas.microsoft.com/office/drawing/2010/main" w="9525">
+              <a14:hiddenLine xmlns:a14="http://schemas.microsoft.com/office/drawing/2010/main" xmlns:p14="http://schemas.microsoft.com/office/powerpoint/2010/main" xmlns:a16="http://schemas.microsoft.com/office/drawing/2014/main" xmlns="" w="9525">
                 <a:solidFill>
                   <a:srgbClr val="000000"/>
                 </a:solidFill>
